--- a/Walmart/insights_and_recommendations.pptx
+++ b/Walmart/insights_and_recommendations.pptx
@@ -3357,7 +3357,7 @@
           <p:nvPr>
             <p:extLst>
               <p:ext uri="{D42A27DB-BD31-4B8C-83A1-F6EECF244321}">
-                <p14:modId xmlns:p14="http://schemas.microsoft.com/office/powerpoint/2010/main" val="2320473057"/>
+                <p14:modId xmlns:p14="http://schemas.microsoft.com/office/powerpoint/2010/main" val="113437134"/>
               </p:ext>
             </p:extLst>
           </p:nvPr>
@@ -3509,7 +3509,7 @@
                     <a:bodyPr/>
                     <a:lstStyle/>
                     <a:p>
-                      <a:pPr marL="285750" marR="0" lvl="0" indent="-285750" algn="l" defTabSz="914400" rtl="0" eaLnBrk="1" fontAlgn="auto" latinLnBrk="0" hangingPunct="1">
+                      <a:pPr marL="171450" marR="0" lvl="0" indent="-171450" algn="l" defTabSz="914400" rtl="0" eaLnBrk="1" fontAlgn="auto" latinLnBrk="0" hangingPunct="1">
                         <a:lnSpc>
                           <a:spcPct val="100000"/>
                         </a:lnSpc>
@@ -3540,7 +3540,7 @@
                       </a:r>
                     </a:p>
                     <a:p>
-                      <a:pPr marL="285750" marR="0" lvl="0" indent="-285750" algn="l" defTabSz="914400" rtl="0" eaLnBrk="1" fontAlgn="auto" latinLnBrk="0" hangingPunct="1">
+                      <a:pPr marL="171450" marR="0" lvl="0" indent="-171450" algn="l" defTabSz="914400" rtl="0" eaLnBrk="1" fontAlgn="auto" latinLnBrk="0" hangingPunct="1">
                         <a:lnSpc>
                           <a:spcPct val="100000"/>
                         </a:lnSpc>
